--- a/figures/mesh_convergence.pptx
+++ b/figures/mesh_convergence.pptx
@@ -124,10 +124,6 @@
 </p:presentation>
 </file>
 
-<file path=ppt/revisionInfo.xml><?xml version="1.0" encoding="utf-8"?>
-<p1510:revInfo xmlns:a="http://schemas.openxmlformats.org/drawingml/2006/main" xmlns:r="http://schemas.openxmlformats.org/officeDocument/2006/relationships" xmlns:p1510="http://schemas.microsoft.com/office/powerpoint/2015/10/main"/>
-</file>
-
 <file path=ppt/slideLayouts/slideLayout1.xml><?xml version="1.0" encoding="utf-8"?>
 <p:sldLayout xmlns:a="http://schemas.openxmlformats.org/drawingml/2006/main" xmlns:r="http://schemas.openxmlformats.org/officeDocument/2006/relationships" xmlns:p="http://schemas.openxmlformats.org/presentationml/2006/main" type="title" preserve="1">
   <p:cSld name="Title Slide">
@@ -275,7 +271,7 @@
           <a:p>
             <a:fld id="{2F5A665C-3E58-46D4-ACE3-40475DD29E3D}" type="datetimeFigureOut">
               <a:rPr lang="en-US" smtClean="0"/>
-              <a:t>3/13/2018</a:t>
+              <a:t>4/15/2018</a:t>
             </a:fld>
             <a:endParaRPr lang="en-US"/>
           </a:p>
@@ -329,7 +325,7 @@
           <a:p>
             <a:fld id="{ED505C5A-B5FE-4E82-9A4E-492E89DFCBF7}" type="slidenum">
               <a:rPr lang="en-US" smtClean="0"/>
-              <a:t>‹#›</a:t>
+              <a:t>‹N°›</a:t>
             </a:fld>
             <a:endParaRPr lang="en-US"/>
           </a:p>
@@ -473,7 +469,7 @@
           <a:p>
             <a:fld id="{2F5A665C-3E58-46D4-ACE3-40475DD29E3D}" type="datetimeFigureOut">
               <a:rPr lang="en-US" smtClean="0"/>
-              <a:t>3/13/2018</a:t>
+              <a:t>4/15/2018</a:t>
             </a:fld>
             <a:endParaRPr lang="en-US"/>
           </a:p>
@@ -527,7 +523,7 @@
           <a:p>
             <a:fld id="{ED505C5A-B5FE-4E82-9A4E-492E89DFCBF7}" type="slidenum">
               <a:rPr lang="en-US" smtClean="0"/>
-              <a:t>‹#›</a:t>
+              <a:t>‹N°›</a:t>
             </a:fld>
             <a:endParaRPr lang="en-US"/>
           </a:p>
@@ -681,7 +677,7 @@
           <a:p>
             <a:fld id="{2F5A665C-3E58-46D4-ACE3-40475DD29E3D}" type="datetimeFigureOut">
               <a:rPr lang="en-US" smtClean="0"/>
-              <a:t>3/13/2018</a:t>
+              <a:t>4/15/2018</a:t>
             </a:fld>
             <a:endParaRPr lang="en-US"/>
           </a:p>
@@ -735,7 +731,7 @@
           <a:p>
             <a:fld id="{ED505C5A-B5FE-4E82-9A4E-492E89DFCBF7}" type="slidenum">
               <a:rPr lang="en-US" smtClean="0"/>
-              <a:t>‹#›</a:t>
+              <a:t>‹N°›</a:t>
             </a:fld>
             <a:endParaRPr lang="en-US"/>
           </a:p>
@@ -879,7 +875,7 @@
           <a:p>
             <a:fld id="{2F5A665C-3E58-46D4-ACE3-40475DD29E3D}" type="datetimeFigureOut">
               <a:rPr lang="en-US" smtClean="0"/>
-              <a:t>3/13/2018</a:t>
+              <a:t>4/15/2018</a:t>
             </a:fld>
             <a:endParaRPr lang="en-US"/>
           </a:p>
@@ -933,7 +929,7 @@
           <a:p>
             <a:fld id="{ED505C5A-B5FE-4E82-9A4E-492E89DFCBF7}" type="slidenum">
               <a:rPr lang="en-US" smtClean="0"/>
-              <a:t>‹#›</a:t>
+              <a:t>‹N°›</a:t>
             </a:fld>
             <a:endParaRPr lang="en-US"/>
           </a:p>
@@ -1154,7 +1150,7 @@
           <a:p>
             <a:fld id="{2F5A665C-3E58-46D4-ACE3-40475DD29E3D}" type="datetimeFigureOut">
               <a:rPr lang="en-US" smtClean="0"/>
-              <a:t>3/13/2018</a:t>
+              <a:t>4/15/2018</a:t>
             </a:fld>
             <a:endParaRPr lang="en-US"/>
           </a:p>
@@ -1208,7 +1204,7 @@
           <a:p>
             <a:fld id="{ED505C5A-B5FE-4E82-9A4E-492E89DFCBF7}" type="slidenum">
               <a:rPr lang="en-US" smtClean="0"/>
-              <a:t>‹#›</a:t>
+              <a:t>‹N°›</a:t>
             </a:fld>
             <a:endParaRPr lang="en-US"/>
           </a:p>
@@ -1419,7 +1415,7 @@
           <a:p>
             <a:fld id="{2F5A665C-3E58-46D4-ACE3-40475DD29E3D}" type="datetimeFigureOut">
               <a:rPr lang="en-US" smtClean="0"/>
-              <a:t>3/13/2018</a:t>
+              <a:t>4/15/2018</a:t>
             </a:fld>
             <a:endParaRPr lang="en-US"/>
           </a:p>
@@ -1473,7 +1469,7 @@
           <a:p>
             <a:fld id="{ED505C5A-B5FE-4E82-9A4E-492E89DFCBF7}" type="slidenum">
               <a:rPr lang="en-US" smtClean="0"/>
-              <a:t>‹#›</a:t>
+              <a:t>‹N°›</a:t>
             </a:fld>
             <a:endParaRPr lang="en-US"/>
           </a:p>
@@ -1831,7 +1827,7 @@
           <a:p>
             <a:fld id="{2F5A665C-3E58-46D4-ACE3-40475DD29E3D}" type="datetimeFigureOut">
               <a:rPr lang="en-US" smtClean="0"/>
-              <a:t>3/13/2018</a:t>
+              <a:t>4/15/2018</a:t>
             </a:fld>
             <a:endParaRPr lang="en-US"/>
           </a:p>
@@ -1885,7 +1881,7 @@
           <a:p>
             <a:fld id="{ED505C5A-B5FE-4E82-9A4E-492E89DFCBF7}" type="slidenum">
               <a:rPr lang="en-US" smtClean="0"/>
-              <a:t>‹#›</a:t>
+              <a:t>‹N°›</a:t>
             </a:fld>
             <a:endParaRPr lang="en-US"/>
           </a:p>
@@ -1972,7 +1968,7 @@
           <a:p>
             <a:fld id="{2F5A665C-3E58-46D4-ACE3-40475DD29E3D}" type="datetimeFigureOut">
               <a:rPr lang="en-US" smtClean="0"/>
-              <a:t>3/13/2018</a:t>
+              <a:t>4/15/2018</a:t>
             </a:fld>
             <a:endParaRPr lang="en-US"/>
           </a:p>
@@ -2026,7 +2022,7 @@
           <a:p>
             <a:fld id="{ED505C5A-B5FE-4E82-9A4E-492E89DFCBF7}" type="slidenum">
               <a:rPr lang="en-US" smtClean="0"/>
-              <a:t>‹#›</a:t>
+              <a:t>‹N°›</a:t>
             </a:fld>
             <a:endParaRPr lang="en-US"/>
           </a:p>
@@ -2085,7 +2081,7 @@
           <a:p>
             <a:fld id="{2F5A665C-3E58-46D4-ACE3-40475DD29E3D}" type="datetimeFigureOut">
               <a:rPr lang="en-US" smtClean="0"/>
-              <a:t>3/13/2018</a:t>
+              <a:t>4/15/2018</a:t>
             </a:fld>
             <a:endParaRPr lang="en-US"/>
           </a:p>
@@ -2139,7 +2135,7 @@
           <a:p>
             <a:fld id="{ED505C5A-B5FE-4E82-9A4E-492E89DFCBF7}" type="slidenum">
               <a:rPr lang="en-US" smtClean="0"/>
-              <a:t>‹#›</a:t>
+              <a:t>‹N°›</a:t>
             </a:fld>
             <a:endParaRPr lang="en-US"/>
           </a:p>
@@ -2396,7 +2392,7 @@
           <a:p>
             <a:fld id="{2F5A665C-3E58-46D4-ACE3-40475DD29E3D}" type="datetimeFigureOut">
               <a:rPr lang="en-US" smtClean="0"/>
-              <a:t>3/13/2018</a:t>
+              <a:t>4/15/2018</a:t>
             </a:fld>
             <a:endParaRPr lang="en-US"/>
           </a:p>
@@ -2450,7 +2446,7 @@
           <a:p>
             <a:fld id="{ED505C5A-B5FE-4E82-9A4E-492E89DFCBF7}" type="slidenum">
               <a:rPr lang="en-US" smtClean="0"/>
-              <a:t>‹#›</a:t>
+              <a:t>‹N°›</a:t>
             </a:fld>
             <a:endParaRPr lang="en-US"/>
           </a:p>
@@ -2684,7 +2680,7 @@
           <a:p>
             <a:fld id="{2F5A665C-3E58-46D4-ACE3-40475DD29E3D}" type="datetimeFigureOut">
               <a:rPr lang="en-US" smtClean="0"/>
-              <a:t>3/13/2018</a:t>
+              <a:t>4/15/2018</a:t>
             </a:fld>
             <a:endParaRPr lang="en-US"/>
           </a:p>
@@ -2738,7 +2734,7 @@
           <a:p>
             <a:fld id="{ED505C5A-B5FE-4E82-9A4E-492E89DFCBF7}" type="slidenum">
               <a:rPr lang="en-US" smtClean="0"/>
-              <a:t>‹#›</a:t>
+              <a:t>‹N°›</a:t>
             </a:fld>
             <a:endParaRPr lang="en-US"/>
           </a:p>
@@ -2925,7 +2921,7 @@
           <a:p>
             <a:fld id="{2F5A665C-3E58-46D4-ACE3-40475DD29E3D}" type="datetimeFigureOut">
               <a:rPr lang="en-US" smtClean="0"/>
-              <a:t>3/13/2018</a:t>
+              <a:t>4/15/2018</a:t>
             </a:fld>
             <a:endParaRPr lang="en-US"/>
           </a:p>
@@ -3015,7 +3011,7 @@
           <a:p>
             <a:fld id="{ED505C5A-B5FE-4E82-9A4E-492E89DFCBF7}" type="slidenum">
               <a:rPr lang="en-US" smtClean="0"/>
-              <a:t>‹#›</a:t>
+              <a:t>‹N°›</a:t>
             </a:fld>
             <a:endParaRPr lang="en-US"/>
           </a:p>
@@ -3971,7 +3967,7 @@
                 <a:latin typeface="Times New Roman" panose="02020603050405020304" pitchFamily="18" charset="0"/>
                 <a:cs typeface="Times New Roman" panose="02020603050405020304" pitchFamily="18" charset="0"/>
               </a:rPr>
-              <a:t>Max element height 20 mm</a:t>
+              <a:t>Max element size  20 mm</a:t>
             </a:r>
             <a:endParaRPr lang="en-US" sz="1600" dirty="0">
               <a:latin typeface="Times New Roman" panose="02020603050405020304" pitchFamily="18" charset="0"/>
@@ -4014,7 +4010,7 @@
                 <a:latin typeface="Times New Roman" panose="02020603050405020304" pitchFamily="18" charset="0"/>
                 <a:cs typeface="Times New Roman" panose="02020603050405020304" pitchFamily="18" charset="0"/>
               </a:rPr>
-              <a:t>Max element height 17 mm</a:t>
+              <a:t>Max element size  17 mm</a:t>
             </a:r>
             <a:endParaRPr lang="en-US" sz="1600" dirty="0">
               <a:latin typeface="Times New Roman" panose="02020603050405020304" pitchFamily="18" charset="0"/>
@@ -4057,7 +4053,7 @@
                 <a:latin typeface="Times New Roman" panose="02020603050405020304" pitchFamily="18" charset="0"/>
                 <a:cs typeface="Times New Roman" panose="02020603050405020304" pitchFamily="18" charset="0"/>
               </a:rPr>
-              <a:t>Max element height 13 mm</a:t>
+              <a:t>Max element size  13 mm</a:t>
             </a:r>
             <a:endParaRPr lang="en-US" sz="1600" dirty="0">
               <a:latin typeface="Times New Roman" panose="02020603050405020304" pitchFamily="18" charset="0"/>
@@ -4100,7 +4096,7 @@
                 <a:latin typeface="Times New Roman" panose="02020603050405020304" pitchFamily="18" charset="0"/>
                 <a:cs typeface="Times New Roman" panose="02020603050405020304" pitchFamily="18" charset="0"/>
               </a:rPr>
-              <a:t>Max element height  10 mm</a:t>
+              <a:t>Max element size   10 mm</a:t>
             </a:r>
             <a:endParaRPr lang="en-US" sz="1600" dirty="0">
               <a:latin typeface="Times New Roman" panose="02020603050405020304" pitchFamily="18" charset="0"/>
@@ -4143,7 +4139,7 @@
                 <a:latin typeface="Times New Roman" panose="02020603050405020304" pitchFamily="18" charset="0"/>
                 <a:cs typeface="Times New Roman" panose="02020603050405020304" pitchFamily="18" charset="0"/>
               </a:rPr>
-              <a:t>Max element height  7 mm</a:t>
+              <a:t>Max element size    7 mm</a:t>
             </a:r>
             <a:endParaRPr lang="en-US" sz="1600" dirty="0">
               <a:latin typeface="Times New Roman" panose="02020603050405020304" pitchFamily="18" charset="0"/>
@@ -5279,7 +5275,7 @@
                 <a:latin typeface="Times New Roman" panose="02020603050405020304" pitchFamily="18" charset="0"/>
                 <a:cs typeface="Times New Roman" panose="02020603050405020304" pitchFamily="18" charset="0"/>
               </a:rPr>
-              <a:t>Max element height 15 mm</a:t>
+              <a:t>Max element size  15 mm</a:t>
             </a:r>
             <a:endParaRPr lang="en-US" sz="1600" dirty="0">
               <a:latin typeface="Times New Roman" panose="02020603050405020304" pitchFamily="18" charset="0"/>
